--- a/dl_lab_poster_template.pptx
+++ b/dl_lab_poster_template.pptx
@@ -34,7 +34,7 @@
       </p:grpSpPr>
       <p:sp>
         <p:nvSpPr>
-          <p:cNvPr id="34" name="PlaceHolder 1"/>
+          <p:cNvPr id="36" name="PlaceHolder 1"/>
           <p:cNvSpPr>
             <a:spLocks noGrp="1"/>
           </p:cNvSpPr>
@@ -66,7 +66,623 @@
                 </a:uFill>
                 <a:latin typeface="Arial"/>
               </a:rPr>
-              <a:t>Format der Notizen mittels Klicken bearbeiten</a:t>
+              <a:t>F</a:t>
+            </a:r>
+            <a:r>
+              <a:rPr b="0" lang="de-DE" sz="2000" spc="-1" strike="noStrike">
+                <a:solidFill>
+                  <a:srgbClr val="000000"/>
+                </a:solidFill>
+                <a:uFill>
+                  <a:solidFill>
+                    <a:srgbClr val="ffffff"/>
+                  </a:solidFill>
+                </a:uFill>
+                <a:latin typeface="Arial"/>
+              </a:rPr>
+              <a:t>o</a:t>
+            </a:r>
+            <a:r>
+              <a:rPr b="0" lang="de-DE" sz="2000" spc="-1" strike="noStrike">
+                <a:solidFill>
+                  <a:srgbClr val="000000"/>
+                </a:solidFill>
+                <a:uFill>
+                  <a:solidFill>
+                    <a:srgbClr val="ffffff"/>
+                  </a:solidFill>
+                </a:uFill>
+                <a:latin typeface="Arial"/>
+              </a:rPr>
+              <a:t>r</a:t>
+            </a:r>
+            <a:r>
+              <a:rPr b="0" lang="de-DE" sz="2000" spc="-1" strike="noStrike">
+                <a:solidFill>
+                  <a:srgbClr val="000000"/>
+                </a:solidFill>
+                <a:uFill>
+                  <a:solidFill>
+                    <a:srgbClr val="ffffff"/>
+                  </a:solidFill>
+                </a:uFill>
+                <a:latin typeface="Arial"/>
+              </a:rPr>
+              <a:t>m</a:t>
+            </a:r>
+            <a:r>
+              <a:rPr b="0" lang="de-DE" sz="2000" spc="-1" strike="noStrike">
+                <a:solidFill>
+                  <a:srgbClr val="000000"/>
+                </a:solidFill>
+                <a:uFill>
+                  <a:solidFill>
+                    <a:srgbClr val="ffffff"/>
+                  </a:solidFill>
+                </a:uFill>
+                <a:latin typeface="Arial"/>
+              </a:rPr>
+              <a:t>a</a:t>
+            </a:r>
+            <a:r>
+              <a:rPr b="0" lang="de-DE" sz="2000" spc="-1" strike="noStrike">
+                <a:solidFill>
+                  <a:srgbClr val="000000"/>
+                </a:solidFill>
+                <a:uFill>
+                  <a:solidFill>
+                    <a:srgbClr val="ffffff"/>
+                  </a:solidFill>
+                </a:uFill>
+                <a:latin typeface="Arial"/>
+              </a:rPr>
+              <a:t>t</a:t>
+            </a:r>
+            <a:r>
+              <a:rPr b="0" lang="de-DE" sz="2000" spc="-1" strike="noStrike">
+                <a:solidFill>
+                  <a:srgbClr val="000000"/>
+                </a:solidFill>
+                <a:uFill>
+                  <a:solidFill>
+                    <a:srgbClr val="ffffff"/>
+                  </a:solidFill>
+                </a:uFill>
+                <a:latin typeface="Arial"/>
+              </a:rPr>
+              <a:t> </a:t>
+            </a:r>
+            <a:r>
+              <a:rPr b="0" lang="de-DE" sz="2000" spc="-1" strike="noStrike">
+                <a:solidFill>
+                  <a:srgbClr val="000000"/>
+                </a:solidFill>
+                <a:uFill>
+                  <a:solidFill>
+                    <a:srgbClr val="ffffff"/>
+                  </a:solidFill>
+                </a:uFill>
+                <a:latin typeface="Arial"/>
+              </a:rPr>
+              <a:t>d</a:t>
+            </a:r>
+            <a:r>
+              <a:rPr b="0" lang="de-DE" sz="2000" spc="-1" strike="noStrike">
+                <a:solidFill>
+                  <a:srgbClr val="000000"/>
+                </a:solidFill>
+                <a:uFill>
+                  <a:solidFill>
+                    <a:srgbClr val="ffffff"/>
+                  </a:solidFill>
+                </a:uFill>
+                <a:latin typeface="Arial"/>
+              </a:rPr>
+              <a:t>e</a:t>
+            </a:r>
+            <a:r>
+              <a:rPr b="0" lang="de-DE" sz="2000" spc="-1" strike="noStrike">
+                <a:solidFill>
+                  <a:srgbClr val="000000"/>
+                </a:solidFill>
+                <a:uFill>
+                  <a:solidFill>
+                    <a:srgbClr val="ffffff"/>
+                  </a:solidFill>
+                </a:uFill>
+                <a:latin typeface="Arial"/>
+              </a:rPr>
+              <a:t>r</a:t>
+            </a:r>
+            <a:r>
+              <a:rPr b="0" lang="de-DE" sz="2000" spc="-1" strike="noStrike">
+                <a:solidFill>
+                  <a:srgbClr val="000000"/>
+                </a:solidFill>
+                <a:uFill>
+                  <a:solidFill>
+                    <a:srgbClr val="ffffff"/>
+                  </a:solidFill>
+                </a:uFill>
+                <a:latin typeface="Arial"/>
+              </a:rPr>
+              <a:t> </a:t>
+            </a:r>
+            <a:r>
+              <a:rPr b="0" lang="de-DE" sz="2000" spc="-1" strike="noStrike">
+                <a:solidFill>
+                  <a:srgbClr val="000000"/>
+                </a:solidFill>
+                <a:uFill>
+                  <a:solidFill>
+                    <a:srgbClr val="ffffff"/>
+                  </a:solidFill>
+                </a:uFill>
+                <a:latin typeface="Arial"/>
+              </a:rPr>
+              <a:t>N</a:t>
+            </a:r>
+            <a:r>
+              <a:rPr b="0" lang="de-DE" sz="2000" spc="-1" strike="noStrike">
+                <a:solidFill>
+                  <a:srgbClr val="000000"/>
+                </a:solidFill>
+                <a:uFill>
+                  <a:solidFill>
+                    <a:srgbClr val="ffffff"/>
+                  </a:solidFill>
+                </a:uFill>
+                <a:latin typeface="Arial"/>
+              </a:rPr>
+              <a:t>o</a:t>
+            </a:r>
+            <a:r>
+              <a:rPr b="0" lang="de-DE" sz="2000" spc="-1" strike="noStrike">
+                <a:solidFill>
+                  <a:srgbClr val="000000"/>
+                </a:solidFill>
+                <a:uFill>
+                  <a:solidFill>
+                    <a:srgbClr val="ffffff"/>
+                  </a:solidFill>
+                </a:uFill>
+                <a:latin typeface="Arial"/>
+              </a:rPr>
+              <a:t>t</a:t>
+            </a:r>
+            <a:r>
+              <a:rPr b="0" lang="de-DE" sz="2000" spc="-1" strike="noStrike">
+                <a:solidFill>
+                  <a:srgbClr val="000000"/>
+                </a:solidFill>
+                <a:uFill>
+                  <a:solidFill>
+                    <a:srgbClr val="ffffff"/>
+                  </a:solidFill>
+                </a:uFill>
+                <a:latin typeface="Arial"/>
+              </a:rPr>
+              <a:t>i</a:t>
+            </a:r>
+            <a:r>
+              <a:rPr b="0" lang="de-DE" sz="2000" spc="-1" strike="noStrike">
+                <a:solidFill>
+                  <a:srgbClr val="000000"/>
+                </a:solidFill>
+                <a:uFill>
+                  <a:solidFill>
+                    <a:srgbClr val="ffffff"/>
+                  </a:solidFill>
+                </a:uFill>
+                <a:latin typeface="Arial"/>
+              </a:rPr>
+              <a:t>z</a:t>
+            </a:r>
+            <a:r>
+              <a:rPr b="0" lang="de-DE" sz="2000" spc="-1" strike="noStrike">
+                <a:solidFill>
+                  <a:srgbClr val="000000"/>
+                </a:solidFill>
+                <a:uFill>
+                  <a:solidFill>
+                    <a:srgbClr val="ffffff"/>
+                  </a:solidFill>
+                </a:uFill>
+                <a:latin typeface="Arial"/>
+              </a:rPr>
+              <a:t>e</a:t>
+            </a:r>
+            <a:r>
+              <a:rPr b="0" lang="de-DE" sz="2000" spc="-1" strike="noStrike">
+                <a:solidFill>
+                  <a:srgbClr val="000000"/>
+                </a:solidFill>
+                <a:uFill>
+                  <a:solidFill>
+                    <a:srgbClr val="ffffff"/>
+                  </a:solidFill>
+                </a:uFill>
+                <a:latin typeface="Arial"/>
+              </a:rPr>
+              <a:t>n</a:t>
+            </a:r>
+            <a:r>
+              <a:rPr b="0" lang="de-DE" sz="2000" spc="-1" strike="noStrike">
+                <a:solidFill>
+                  <a:srgbClr val="000000"/>
+                </a:solidFill>
+                <a:uFill>
+                  <a:solidFill>
+                    <a:srgbClr val="ffffff"/>
+                  </a:solidFill>
+                </a:uFill>
+                <a:latin typeface="Arial"/>
+              </a:rPr>
+              <a:t> </a:t>
+            </a:r>
+            <a:r>
+              <a:rPr b="0" lang="de-DE" sz="2000" spc="-1" strike="noStrike">
+                <a:solidFill>
+                  <a:srgbClr val="000000"/>
+                </a:solidFill>
+                <a:uFill>
+                  <a:solidFill>
+                    <a:srgbClr val="ffffff"/>
+                  </a:solidFill>
+                </a:uFill>
+                <a:latin typeface="Arial"/>
+              </a:rPr>
+              <a:t>m</a:t>
+            </a:r>
+            <a:r>
+              <a:rPr b="0" lang="de-DE" sz="2000" spc="-1" strike="noStrike">
+                <a:solidFill>
+                  <a:srgbClr val="000000"/>
+                </a:solidFill>
+                <a:uFill>
+                  <a:solidFill>
+                    <a:srgbClr val="ffffff"/>
+                  </a:solidFill>
+                </a:uFill>
+                <a:latin typeface="Arial"/>
+              </a:rPr>
+              <a:t>i</a:t>
+            </a:r>
+            <a:r>
+              <a:rPr b="0" lang="de-DE" sz="2000" spc="-1" strike="noStrike">
+                <a:solidFill>
+                  <a:srgbClr val="000000"/>
+                </a:solidFill>
+                <a:uFill>
+                  <a:solidFill>
+                    <a:srgbClr val="ffffff"/>
+                  </a:solidFill>
+                </a:uFill>
+                <a:latin typeface="Arial"/>
+              </a:rPr>
+              <a:t>t</a:t>
+            </a:r>
+            <a:r>
+              <a:rPr b="0" lang="de-DE" sz="2000" spc="-1" strike="noStrike">
+                <a:solidFill>
+                  <a:srgbClr val="000000"/>
+                </a:solidFill>
+                <a:uFill>
+                  <a:solidFill>
+                    <a:srgbClr val="ffffff"/>
+                  </a:solidFill>
+                </a:uFill>
+                <a:latin typeface="Arial"/>
+              </a:rPr>
+              <a:t>t</a:t>
+            </a:r>
+            <a:r>
+              <a:rPr b="0" lang="de-DE" sz="2000" spc="-1" strike="noStrike">
+                <a:solidFill>
+                  <a:srgbClr val="000000"/>
+                </a:solidFill>
+                <a:uFill>
+                  <a:solidFill>
+                    <a:srgbClr val="ffffff"/>
+                  </a:solidFill>
+                </a:uFill>
+                <a:latin typeface="Arial"/>
+              </a:rPr>
+              <a:t>e</a:t>
+            </a:r>
+            <a:r>
+              <a:rPr b="0" lang="de-DE" sz="2000" spc="-1" strike="noStrike">
+                <a:solidFill>
+                  <a:srgbClr val="000000"/>
+                </a:solidFill>
+                <a:uFill>
+                  <a:solidFill>
+                    <a:srgbClr val="ffffff"/>
+                  </a:solidFill>
+                </a:uFill>
+                <a:latin typeface="Arial"/>
+              </a:rPr>
+              <a:t>l</a:t>
+            </a:r>
+            <a:r>
+              <a:rPr b="0" lang="de-DE" sz="2000" spc="-1" strike="noStrike">
+                <a:solidFill>
+                  <a:srgbClr val="000000"/>
+                </a:solidFill>
+                <a:uFill>
+                  <a:solidFill>
+                    <a:srgbClr val="ffffff"/>
+                  </a:solidFill>
+                </a:uFill>
+                <a:latin typeface="Arial"/>
+              </a:rPr>
+              <a:t>s</a:t>
+            </a:r>
+            <a:r>
+              <a:rPr b="0" lang="de-DE" sz="2000" spc="-1" strike="noStrike">
+                <a:solidFill>
+                  <a:srgbClr val="000000"/>
+                </a:solidFill>
+                <a:uFill>
+                  <a:solidFill>
+                    <a:srgbClr val="ffffff"/>
+                  </a:solidFill>
+                </a:uFill>
+                <a:latin typeface="Arial"/>
+              </a:rPr>
+              <a:t> </a:t>
+            </a:r>
+            <a:r>
+              <a:rPr b="0" lang="de-DE" sz="2000" spc="-1" strike="noStrike">
+                <a:solidFill>
+                  <a:srgbClr val="000000"/>
+                </a:solidFill>
+                <a:uFill>
+                  <a:solidFill>
+                    <a:srgbClr val="ffffff"/>
+                  </a:solidFill>
+                </a:uFill>
+                <a:latin typeface="Arial"/>
+              </a:rPr>
+              <a:t>K</a:t>
+            </a:r>
+            <a:r>
+              <a:rPr b="0" lang="de-DE" sz="2000" spc="-1" strike="noStrike">
+                <a:solidFill>
+                  <a:srgbClr val="000000"/>
+                </a:solidFill>
+                <a:uFill>
+                  <a:solidFill>
+                    <a:srgbClr val="ffffff"/>
+                  </a:solidFill>
+                </a:uFill>
+                <a:latin typeface="Arial"/>
+              </a:rPr>
+              <a:t>l</a:t>
+            </a:r>
+            <a:r>
+              <a:rPr b="0" lang="de-DE" sz="2000" spc="-1" strike="noStrike">
+                <a:solidFill>
+                  <a:srgbClr val="000000"/>
+                </a:solidFill>
+                <a:uFill>
+                  <a:solidFill>
+                    <a:srgbClr val="ffffff"/>
+                  </a:solidFill>
+                </a:uFill>
+                <a:latin typeface="Arial"/>
+              </a:rPr>
+              <a:t>i</a:t>
+            </a:r>
+            <a:r>
+              <a:rPr b="0" lang="de-DE" sz="2000" spc="-1" strike="noStrike">
+                <a:solidFill>
+                  <a:srgbClr val="000000"/>
+                </a:solidFill>
+                <a:uFill>
+                  <a:solidFill>
+                    <a:srgbClr val="ffffff"/>
+                  </a:solidFill>
+                </a:uFill>
+                <a:latin typeface="Arial"/>
+              </a:rPr>
+              <a:t>c</a:t>
+            </a:r>
+            <a:r>
+              <a:rPr b="0" lang="de-DE" sz="2000" spc="-1" strike="noStrike">
+                <a:solidFill>
+                  <a:srgbClr val="000000"/>
+                </a:solidFill>
+                <a:uFill>
+                  <a:solidFill>
+                    <a:srgbClr val="ffffff"/>
+                  </a:solidFill>
+                </a:uFill>
+                <a:latin typeface="Arial"/>
+              </a:rPr>
+              <a:t>k</a:t>
+            </a:r>
+            <a:r>
+              <a:rPr b="0" lang="de-DE" sz="2000" spc="-1" strike="noStrike">
+                <a:solidFill>
+                  <a:srgbClr val="000000"/>
+                </a:solidFill>
+                <a:uFill>
+                  <a:solidFill>
+                    <a:srgbClr val="ffffff"/>
+                  </a:solidFill>
+                </a:uFill>
+                <a:latin typeface="Arial"/>
+              </a:rPr>
+              <a:t>e</a:t>
+            </a:r>
+            <a:r>
+              <a:rPr b="0" lang="de-DE" sz="2000" spc="-1" strike="noStrike">
+                <a:solidFill>
+                  <a:srgbClr val="000000"/>
+                </a:solidFill>
+                <a:uFill>
+                  <a:solidFill>
+                    <a:srgbClr val="ffffff"/>
+                  </a:solidFill>
+                </a:uFill>
+                <a:latin typeface="Arial"/>
+              </a:rPr>
+              <a:t>n</a:t>
+            </a:r>
+            <a:r>
+              <a:rPr b="0" lang="de-DE" sz="2000" spc="-1" strike="noStrike">
+                <a:solidFill>
+                  <a:srgbClr val="000000"/>
+                </a:solidFill>
+                <a:uFill>
+                  <a:solidFill>
+                    <a:srgbClr val="ffffff"/>
+                  </a:solidFill>
+                </a:uFill>
+                <a:latin typeface="Arial"/>
+              </a:rPr>
+              <a:t> </a:t>
+            </a:r>
+            <a:r>
+              <a:rPr b="0" lang="de-DE" sz="2000" spc="-1" strike="noStrike">
+                <a:solidFill>
+                  <a:srgbClr val="000000"/>
+                </a:solidFill>
+                <a:uFill>
+                  <a:solidFill>
+                    <a:srgbClr val="ffffff"/>
+                  </a:solidFill>
+                </a:uFill>
+                <a:latin typeface="Arial"/>
+              </a:rPr>
+              <a:t>b</a:t>
+            </a:r>
+            <a:r>
+              <a:rPr b="0" lang="de-DE" sz="2000" spc="-1" strike="noStrike">
+                <a:solidFill>
+                  <a:srgbClr val="000000"/>
+                </a:solidFill>
+                <a:uFill>
+                  <a:solidFill>
+                    <a:srgbClr val="ffffff"/>
+                  </a:solidFill>
+                </a:uFill>
+                <a:latin typeface="Arial"/>
+              </a:rPr>
+              <a:t>e</a:t>
+            </a:r>
+            <a:r>
+              <a:rPr b="0" lang="de-DE" sz="2000" spc="-1" strike="noStrike">
+                <a:solidFill>
+                  <a:srgbClr val="000000"/>
+                </a:solidFill>
+                <a:uFill>
+                  <a:solidFill>
+                    <a:srgbClr val="ffffff"/>
+                  </a:solidFill>
+                </a:uFill>
+                <a:latin typeface="Arial"/>
+              </a:rPr>
+              <a:t>a</a:t>
+            </a:r>
+            <a:r>
+              <a:rPr b="0" lang="de-DE" sz="2000" spc="-1" strike="noStrike">
+                <a:solidFill>
+                  <a:srgbClr val="000000"/>
+                </a:solidFill>
+                <a:uFill>
+                  <a:solidFill>
+                    <a:srgbClr val="ffffff"/>
+                  </a:solidFill>
+                </a:uFill>
+                <a:latin typeface="Arial"/>
+              </a:rPr>
+              <a:t>r</a:t>
+            </a:r>
+            <a:r>
+              <a:rPr b="0" lang="de-DE" sz="2000" spc="-1" strike="noStrike">
+                <a:solidFill>
+                  <a:srgbClr val="000000"/>
+                </a:solidFill>
+                <a:uFill>
+                  <a:solidFill>
+                    <a:srgbClr val="ffffff"/>
+                  </a:solidFill>
+                </a:uFill>
+                <a:latin typeface="Arial"/>
+              </a:rPr>
+              <a:t>b</a:t>
+            </a:r>
+            <a:r>
+              <a:rPr b="0" lang="de-DE" sz="2000" spc="-1" strike="noStrike">
+                <a:solidFill>
+                  <a:srgbClr val="000000"/>
+                </a:solidFill>
+                <a:uFill>
+                  <a:solidFill>
+                    <a:srgbClr val="ffffff"/>
+                  </a:solidFill>
+                </a:uFill>
+                <a:latin typeface="Arial"/>
+              </a:rPr>
+              <a:t>e</a:t>
+            </a:r>
+            <a:r>
+              <a:rPr b="0" lang="de-DE" sz="2000" spc="-1" strike="noStrike">
+                <a:solidFill>
+                  <a:srgbClr val="000000"/>
+                </a:solidFill>
+                <a:uFill>
+                  <a:solidFill>
+                    <a:srgbClr val="ffffff"/>
+                  </a:solidFill>
+                </a:uFill>
+                <a:latin typeface="Arial"/>
+              </a:rPr>
+              <a:t>i</a:t>
+            </a:r>
+            <a:r>
+              <a:rPr b="0" lang="de-DE" sz="2000" spc="-1" strike="noStrike">
+                <a:solidFill>
+                  <a:srgbClr val="000000"/>
+                </a:solidFill>
+                <a:uFill>
+                  <a:solidFill>
+                    <a:srgbClr val="ffffff"/>
+                  </a:solidFill>
+                </a:uFill>
+                <a:latin typeface="Arial"/>
+              </a:rPr>
+              <a:t>t</a:t>
+            </a:r>
+            <a:r>
+              <a:rPr b="0" lang="de-DE" sz="2000" spc="-1" strike="noStrike">
+                <a:solidFill>
+                  <a:srgbClr val="000000"/>
+                </a:solidFill>
+                <a:uFill>
+                  <a:solidFill>
+                    <a:srgbClr val="ffffff"/>
+                  </a:solidFill>
+                </a:uFill>
+                <a:latin typeface="Arial"/>
+              </a:rPr>
+              <a:t>e</a:t>
+            </a:r>
+            <a:r>
+              <a:rPr b="0" lang="de-DE" sz="2000" spc="-1" strike="noStrike">
+                <a:solidFill>
+                  <a:srgbClr val="000000"/>
+                </a:solidFill>
+                <a:uFill>
+                  <a:solidFill>
+                    <a:srgbClr val="ffffff"/>
+                  </a:solidFill>
+                </a:uFill>
+                <a:latin typeface="Arial"/>
+              </a:rPr>
+              <a:t>n</a:t>
             </a:r>
             <a:endParaRPr b="0" lang="de-DE" sz="2000" spc="-1" strike="noStrike">
               <a:solidFill>
@@ -84,7 +700,7 @@
       </p:sp>
       <p:sp>
         <p:nvSpPr>
-          <p:cNvPr id="35" name="PlaceHolder 2"/>
+          <p:cNvPr id="37" name="PlaceHolder 2"/>
           <p:cNvSpPr>
             <a:spLocks noGrp="1"/>
           </p:cNvSpPr>
@@ -116,7 +732,7 @@
                 </a:uFill>
                 <a:latin typeface="Times New Roman"/>
               </a:rPr>
-              <a:t>&lt;Kopfzeile&gt;</a:t>
+              <a:t> </a:t>
             </a:r>
             <a:endParaRPr b="0" lang="de-DE" sz="1400" spc="-1" strike="noStrike">
               <a:solidFill>
@@ -134,7 +750,7 @@
       </p:sp>
       <p:sp>
         <p:nvSpPr>
-          <p:cNvPr id="36" name="PlaceHolder 3"/>
+          <p:cNvPr id="38" name="PlaceHolder 3"/>
           <p:cNvSpPr>
             <a:spLocks noGrp="1"/>
           </p:cNvSpPr>
@@ -167,7 +783,7 @@
                 </a:uFill>
                 <a:latin typeface="Times New Roman"/>
               </a:rPr>
-              <a:t>&lt;Datum/Uhrzeit&gt;</a:t>
+              <a:t> </a:t>
             </a:r>
             <a:endParaRPr b="0" lang="de-DE" sz="1400" spc="-1" strike="noStrike">
               <a:solidFill>
@@ -185,7 +801,7 @@
       </p:sp>
       <p:sp>
         <p:nvSpPr>
-          <p:cNvPr id="37" name="PlaceHolder 4"/>
+          <p:cNvPr id="39" name="PlaceHolder 4"/>
           <p:cNvSpPr>
             <a:spLocks noGrp="1"/>
           </p:cNvSpPr>
@@ -217,7 +833,7 @@
                 </a:uFill>
                 <a:latin typeface="Times New Roman"/>
               </a:rPr>
-              <a:t>&lt;Fußzeile&gt;</a:t>
+              <a:t> </a:t>
             </a:r>
             <a:endParaRPr b="0" lang="de-DE" sz="1400" spc="-1" strike="noStrike">
               <a:solidFill>
@@ -235,7 +851,7 @@
       </p:sp>
       <p:sp>
         <p:nvSpPr>
-          <p:cNvPr id="38" name="PlaceHolder 5"/>
+          <p:cNvPr id="40" name="PlaceHolder 5"/>
           <p:cNvSpPr>
             <a:spLocks noGrp="1"/>
           </p:cNvSpPr>
@@ -256,7 +872,7 @@
           <a:bodyPr lIns="0" rIns="0" tIns="0" bIns="0" anchor="b"/>
           <a:p>
             <a:pPr algn="r"/>
-            <a:fld id="{BC8A2442-0BEA-4D55-8CBC-5E48076177F7}" type="slidenum">
+            <a:fld id="{21BCE768-BDBA-4C84-9D1E-45470DF12189}" type="slidenum">
               <a:rPr b="0" lang="de-DE" sz="1400" spc="-1" strike="noStrike">
                 <a:solidFill>
                   <a:srgbClr val="000000"/>
@@ -268,7 +884,7 @@
                 </a:uFill>
                 <a:latin typeface="Times New Roman"/>
               </a:rPr>
-              <a:t>&lt;Foliennummer&gt;</a:t>
+              <a:t>1</a:t>
             </a:fld>
             <a:endParaRPr b="0" lang="de-DE" sz="1400" spc="-1" strike="noStrike">
               <a:solidFill>
@@ -309,7 +925,7 @@
       </p:grpSpPr>
       <p:sp>
         <p:nvSpPr>
-          <p:cNvPr id="52" name="PlaceHolder 1"/>
+          <p:cNvPr id="55" name="PlaceHolder 1"/>
           <p:cNvSpPr>
             <a:spLocks noGrp="1"/>
           </p:cNvSpPr>
@@ -345,7 +961,7 @@
       </p:sp>
       <p:sp>
         <p:nvSpPr>
-          <p:cNvPr id="53" name="CustomShape 2"/>
+          <p:cNvPr id="56" name="CustomShape 2"/>
           <p:cNvSpPr/>
           <p:nvPr/>
         </p:nvSpPr>
@@ -376,7 +992,7 @@
                 <a:spcPct val="100000"/>
               </a:lnSpc>
             </a:pPr>
-            <a:fld id="{F1E51101-9D50-45BD-B025-9D0F6980A240}" type="slidenum">
+            <a:fld id="{09DFC0AA-FCA9-47E6-AF2B-29268C364F80}" type="slidenum">
               <a:rPr b="0" lang="de-DE" sz="1200" spc="-1" strike="noStrike">
                 <a:solidFill>
                   <a:srgbClr val="000000"/>
@@ -451,7 +1067,7 @@
       </p:grpSpPr>
       <p:sp>
         <p:nvSpPr>
-          <p:cNvPr id="21" name="PlaceHolder 1"/>
+          <p:cNvPr id="23" name="PlaceHolder 1"/>
           <p:cNvSpPr>
             <a:spLocks noGrp="1"/>
           </p:cNvSpPr>
@@ -488,7 +1104,7 @@
       </p:sp>
       <p:sp>
         <p:nvSpPr>
-          <p:cNvPr id="22" name="PlaceHolder 2"/>
+          <p:cNvPr id="24" name="PlaceHolder 2"/>
           <p:cNvSpPr>
             <a:spLocks noGrp="1"/>
           </p:cNvSpPr>
@@ -524,7 +1140,7 @@
       </p:sp>
       <p:sp>
         <p:nvSpPr>
-          <p:cNvPr id="23" name="PlaceHolder 3"/>
+          <p:cNvPr id="25" name="PlaceHolder 3"/>
           <p:cNvSpPr>
             <a:spLocks noGrp="1"/>
           </p:cNvSpPr>
@@ -582,7 +1198,7 @@
       </p:grpSpPr>
       <p:sp>
         <p:nvSpPr>
-          <p:cNvPr id="24" name="PlaceHolder 1"/>
+          <p:cNvPr id="26" name="PlaceHolder 1"/>
           <p:cNvSpPr>
             <a:spLocks noGrp="1"/>
           </p:cNvSpPr>
@@ -619,7 +1235,7 @@
       </p:sp>
       <p:sp>
         <p:nvSpPr>
-          <p:cNvPr id="25" name="PlaceHolder 2"/>
+          <p:cNvPr id="27" name="PlaceHolder 2"/>
           <p:cNvSpPr>
             <a:spLocks noGrp="1"/>
           </p:cNvSpPr>
@@ -655,7 +1271,7 @@
       </p:sp>
       <p:sp>
         <p:nvSpPr>
-          <p:cNvPr id="26" name="PlaceHolder 3"/>
+          <p:cNvPr id="28" name="PlaceHolder 3"/>
           <p:cNvSpPr>
             <a:spLocks noGrp="1"/>
           </p:cNvSpPr>
@@ -691,7 +1307,7 @@
       </p:sp>
       <p:sp>
         <p:nvSpPr>
-          <p:cNvPr id="27" name="PlaceHolder 4"/>
+          <p:cNvPr id="29" name="PlaceHolder 4"/>
           <p:cNvSpPr>
             <a:spLocks noGrp="1"/>
           </p:cNvSpPr>
@@ -727,7 +1343,7 @@
       </p:sp>
       <p:sp>
         <p:nvSpPr>
-          <p:cNvPr id="28" name="PlaceHolder 5"/>
+          <p:cNvPr id="30" name="PlaceHolder 5"/>
           <p:cNvSpPr>
             <a:spLocks noGrp="1"/>
           </p:cNvSpPr>
@@ -785,7 +1401,7 @@
       </p:grpSpPr>
       <p:sp>
         <p:nvSpPr>
-          <p:cNvPr id="29" name="PlaceHolder 1"/>
+          <p:cNvPr id="31" name="PlaceHolder 1"/>
           <p:cNvSpPr>
             <a:spLocks noGrp="1"/>
           </p:cNvSpPr>
@@ -822,7 +1438,7 @@
       </p:sp>
       <p:sp>
         <p:nvSpPr>
-          <p:cNvPr id="30" name="PlaceHolder 2"/>
+          <p:cNvPr id="32" name="PlaceHolder 2"/>
           <p:cNvSpPr>
             <a:spLocks noGrp="1"/>
           </p:cNvSpPr>
@@ -858,7 +1474,7 @@
       </p:sp>
       <p:sp>
         <p:nvSpPr>
-          <p:cNvPr id="31" name="PlaceHolder 3"/>
+          <p:cNvPr id="33" name="PlaceHolder 3"/>
           <p:cNvSpPr>
             <a:spLocks noGrp="1"/>
           </p:cNvSpPr>
@@ -894,7 +1510,7 @@
       </p:sp>
       <p:pic>
         <p:nvPicPr>
-          <p:cNvPr id="32" name="" descr=""/>
+          <p:cNvPr id="34" name="" descr=""/>
           <p:cNvPicPr/>
           <p:nvPr/>
         </p:nvPicPr>
@@ -917,7 +1533,7 @@
       </p:pic>
       <p:pic>
         <p:nvPicPr>
-          <p:cNvPr id="33" name="" descr=""/>
+          <p:cNvPr id="35" name="" descr=""/>
           <p:cNvPicPr/>
           <p:nvPr/>
         </p:nvPicPr>
@@ -962,7 +1578,7 @@
       </p:grpSpPr>
       <p:sp>
         <p:nvSpPr>
-          <p:cNvPr id="0" name="PlaceHolder 1"/>
+          <p:cNvPr id="2" name="PlaceHolder 1"/>
           <p:cNvSpPr>
             <a:spLocks noGrp="1"/>
           </p:cNvSpPr>
@@ -999,7 +1615,7 @@
       </p:sp>
       <p:sp>
         <p:nvSpPr>
-          <p:cNvPr id="1" name="PlaceHolder 2"/>
+          <p:cNvPr id="3" name="PlaceHolder 2"/>
           <p:cNvSpPr>
             <a:spLocks noGrp="1"/>
           </p:cNvSpPr>
@@ -1058,7 +1674,7 @@
       </p:grpSpPr>
       <p:sp>
         <p:nvSpPr>
-          <p:cNvPr id="2" name="PlaceHolder 1"/>
+          <p:cNvPr id="4" name="PlaceHolder 1"/>
           <p:cNvSpPr>
             <a:spLocks noGrp="1"/>
           </p:cNvSpPr>
@@ -1095,7 +1711,7 @@
       </p:sp>
       <p:sp>
         <p:nvSpPr>
-          <p:cNvPr id="3" name="PlaceHolder 2"/>
+          <p:cNvPr id="5" name="PlaceHolder 2"/>
           <p:cNvSpPr>
             <a:spLocks noGrp="1"/>
           </p:cNvSpPr>
@@ -1153,7 +1769,7 @@
       </p:grpSpPr>
       <p:sp>
         <p:nvSpPr>
-          <p:cNvPr id="4" name="PlaceHolder 1"/>
+          <p:cNvPr id="6" name="PlaceHolder 1"/>
           <p:cNvSpPr>
             <a:spLocks noGrp="1"/>
           </p:cNvSpPr>
@@ -1190,7 +1806,7 @@
       </p:sp>
       <p:sp>
         <p:nvSpPr>
-          <p:cNvPr id="5" name="PlaceHolder 2"/>
+          <p:cNvPr id="7" name="PlaceHolder 2"/>
           <p:cNvSpPr>
             <a:spLocks noGrp="1"/>
           </p:cNvSpPr>
@@ -1226,7 +1842,7 @@
       </p:sp>
       <p:sp>
         <p:nvSpPr>
-          <p:cNvPr id="6" name="PlaceHolder 3"/>
+          <p:cNvPr id="8" name="PlaceHolder 3"/>
           <p:cNvSpPr>
             <a:spLocks noGrp="1"/>
           </p:cNvSpPr>
@@ -1284,7 +1900,7 @@
       </p:grpSpPr>
       <p:sp>
         <p:nvSpPr>
-          <p:cNvPr id="7" name="PlaceHolder 1"/>
+          <p:cNvPr id="9" name="PlaceHolder 1"/>
           <p:cNvSpPr>
             <a:spLocks noGrp="1"/>
           </p:cNvSpPr>
@@ -1343,7 +1959,7 @@
       </p:grpSpPr>
       <p:sp>
         <p:nvSpPr>
-          <p:cNvPr id="8" name="PlaceHolder 1"/>
+          <p:cNvPr id="10" name="PlaceHolder 1"/>
           <p:cNvSpPr>
             <a:spLocks noGrp="1"/>
           </p:cNvSpPr>
@@ -1402,7 +2018,7 @@
       </p:grpSpPr>
       <p:sp>
         <p:nvSpPr>
-          <p:cNvPr id="9" name="PlaceHolder 1"/>
+          <p:cNvPr id="11" name="PlaceHolder 1"/>
           <p:cNvSpPr>
             <a:spLocks noGrp="1"/>
           </p:cNvSpPr>
@@ -1439,7 +2055,7 @@
       </p:sp>
       <p:sp>
         <p:nvSpPr>
-          <p:cNvPr id="10" name="PlaceHolder 2"/>
+          <p:cNvPr id="12" name="PlaceHolder 2"/>
           <p:cNvSpPr>
             <a:spLocks noGrp="1"/>
           </p:cNvSpPr>
@@ -1475,7 +2091,7 @@
       </p:sp>
       <p:sp>
         <p:nvSpPr>
-          <p:cNvPr id="11" name="PlaceHolder 3"/>
+          <p:cNvPr id="13" name="PlaceHolder 3"/>
           <p:cNvSpPr>
             <a:spLocks noGrp="1"/>
           </p:cNvSpPr>
@@ -1511,7 +2127,7 @@
       </p:sp>
       <p:sp>
         <p:nvSpPr>
-          <p:cNvPr id="12" name="PlaceHolder 4"/>
+          <p:cNvPr id="14" name="PlaceHolder 4"/>
           <p:cNvSpPr>
             <a:spLocks noGrp="1"/>
           </p:cNvSpPr>
@@ -1569,7 +2185,7 @@
       </p:grpSpPr>
       <p:sp>
         <p:nvSpPr>
-          <p:cNvPr id="13" name="PlaceHolder 1"/>
+          <p:cNvPr id="15" name="PlaceHolder 1"/>
           <p:cNvSpPr>
             <a:spLocks noGrp="1"/>
           </p:cNvSpPr>
@@ -1606,7 +2222,7 @@
       </p:sp>
       <p:sp>
         <p:nvSpPr>
-          <p:cNvPr id="14" name="PlaceHolder 2"/>
+          <p:cNvPr id="16" name="PlaceHolder 2"/>
           <p:cNvSpPr>
             <a:spLocks noGrp="1"/>
           </p:cNvSpPr>
@@ -1642,7 +2258,7 @@
       </p:sp>
       <p:sp>
         <p:nvSpPr>
-          <p:cNvPr id="15" name="PlaceHolder 3"/>
+          <p:cNvPr id="17" name="PlaceHolder 3"/>
           <p:cNvSpPr>
             <a:spLocks noGrp="1"/>
           </p:cNvSpPr>
@@ -1678,7 +2294,7 @@
       </p:sp>
       <p:sp>
         <p:nvSpPr>
-          <p:cNvPr id="16" name="PlaceHolder 4"/>
+          <p:cNvPr id="18" name="PlaceHolder 4"/>
           <p:cNvSpPr>
             <a:spLocks noGrp="1"/>
           </p:cNvSpPr>
@@ -1736,7 +2352,7 @@
       </p:grpSpPr>
       <p:sp>
         <p:nvSpPr>
-          <p:cNvPr id="17" name="PlaceHolder 1"/>
+          <p:cNvPr id="19" name="PlaceHolder 1"/>
           <p:cNvSpPr>
             <a:spLocks noGrp="1"/>
           </p:cNvSpPr>
@@ -1773,7 +2389,7 @@
       </p:sp>
       <p:sp>
         <p:nvSpPr>
-          <p:cNvPr id="18" name="PlaceHolder 2"/>
+          <p:cNvPr id="20" name="PlaceHolder 2"/>
           <p:cNvSpPr>
             <a:spLocks noGrp="1"/>
           </p:cNvSpPr>
@@ -1809,7 +2425,7 @@
       </p:sp>
       <p:sp>
         <p:nvSpPr>
-          <p:cNvPr id="19" name="PlaceHolder 3"/>
+          <p:cNvPr id="21" name="PlaceHolder 3"/>
           <p:cNvSpPr>
             <a:spLocks noGrp="1"/>
           </p:cNvSpPr>
@@ -1845,7 +2461,7 @@
       </p:sp>
       <p:sp>
         <p:nvSpPr>
-          <p:cNvPr id="20" name="PlaceHolder 4"/>
+          <p:cNvPr id="22" name="PlaceHolder 4"/>
           <p:cNvSpPr>
             <a:spLocks noGrp="1"/>
           </p:cNvSpPr>
@@ -1908,6 +2524,325 @@
           <a:chExt cx="0" cy="0"/>
         </a:xfrm>
       </p:grpSpPr>
+      <p:sp>
+        <p:nvSpPr>
+          <p:cNvPr id="0" name="PlaceHolder 1"/>
+          <p:cNvSpPr>
+            <a:spLocks noGrp="1"/>
+          </p:cNvSpPr>
+          <p:nvPr>
+            <p:ph type="title"/>
+          </p:nvPr>
+        </p:nvSpPr>
+        <p:spPr>
+          <a:xfrm>
+            <a:off x="1513440" y="1707840"/>
+            <a:ext cx="27247320" cy="7147800"/>
+          </a:xfrm>
+          <a:prstGeom prst="rect">
+            <a:avLst/>
+          </a:prstGeom>
+        </p:spPr>
+        <p:txBody>
+          <a:bodyPr lIns="0" rIns="0" tIns="0" bIns="0" anchor="ctr"/>
+          <a:p>
+            <a:pPr algn="ctr"/>
+            <a:r>
+              <a:rPr b="0" lang="de-DE" sz="4400" spc="-1" strike="noStrike">
+                <a:solidFill>
+                  <a:srgbClr val="000000"/>
+                </a:solidFill>
+                <a:uFill>
+                  <a:solidFill>
+                    <a:srgbClr val="ffffff"/>
+                  </a:solidFill>
+                </a:uFill>
+                <a:latin typeface="Arial"/>
+              </a:rPr>
+              <a:t>Format des Titeltextes durch Klicken bearbeiten</a:t>
+            </a:r>
+            <a:endParaRPr b="0" lang="de-DE" sz="4400" spc="-1" strike="noStrike">
+              <a:solidFill>
+                <a:srgbClr val="000000"/>
+              </a:solidFill>
+              <a:uFill>
+                <a:solidFill>
+                  <a:srgbClr val="ffffff"/>
+                </a:solidFill>
+              </a:uFill>
+              <a:latin typeface="Arial"/>
+            </a:endParaRPr>
+          </a:p>
+        </p:txBody>
+      </p:sp>
+      <p:sp>
+        <p:nvSpPr>
+          <p:cNvPr id="1" name="PlaceHolder 2"/>
+          <p:cNvSpPr>
+            <a:spLocks noGrp="1"/>
+          </p:cNvSpPr>
+          <p:nvPr>
+            <p:ph type="body"/>
+          </p:nvPr>
+        </p:nvSpPr>
+        <p:spPr>
+          <a:xfrm>
+            <a:off x="1513440" y="10015920"/>
+            <a:ext cx="27247320" cy="24825600"/>
+          </a:xfrm>
+          <a:prstGeom prst="rect">
+            <a:avLst/>
+          </a:prstGeom>
+        </p:spPr>
+        <p:txBody>
+          <a:bodyPr lIns="0" rIns="0" tIns="0" bIns="0"/>
+          <a:p>
+            <a:pPr marL="432000" indent="-324000">
+              <a:buClr>
+                <a:srgbClr val="000000"/>
+              </a:buClr>
+              <a:buSzPct val="45000"/>
+              <a:buFont typeface="Wingdings" charset="2"/>
+              <a:buChar char=""/>
+            </a:pPr>
+            <a:r>
+              <a:rPr b="0" lang="de-DE" sz="3200" spc="-1" strike="noStrike">
+                <a:solidFill>
+                  <a:srgbClr val="000000"/>
+                </a:solidFill>
+                <a:uFill>
+                  <a:solidFill>
+                    <a:srgbClr val="ffffff"/>
+                  </a:solidFill>
+                </a:uFill>
+                <a:latin typeface="Arial"/>
+              </a:rPr>
+              <a:t>Format des Gliederungstextes durch Klicken bearbeiten</a:t>
+            </a:r>
+            <a:endParaRPr b="0" lang="de-DE" sz="3200" spc="-1" strike="noStrike">
+              <a:solidFill>
+                <a:srgbClr val="000000"/>
+              </a:solidFill>
+              <a:uFill>
+                <a:solidFill>
+                  <a:srgbClr val="ffffff"/>
+                </a:solidFill>
+              </a:uFill>
+              <a:latin typeface="Arial"/>
+            </a:endParaRPr>
+          </a:p>
+          <a:p>
+            <a:pPr lvl="1" marL="864000" indent="-324000">
+              <a:buClr>
+                <a:srgbClr val="000000"/>
+              </a:buClr>
+              <a:buSzPct val="75000"/>
+              <a:buFont typeface="Symbol" charset="2"/>
+              <a:buChar char=""/>
+            </a:pPr>
+            <a:r>
+              <a:rPr b="0" lang="de-DE" sz="2800" spc="-1" strike="noStrike">
+                <a:solidFill>
+                  <a:srgbClr val="000000"/>
+                </a:solidFill>
+                <a:uFill>
+                  <a:solidFill>
+                    <a:srgbClr val="ffffff"/>
+                  </a:solidFill>
+                </a:uFill>
+                <a:latin typeface="Arial"/>
+              </a:rPr>
+              <a:t>Zweite Gliederungsebene</a:t>
+            </a:r>
+            <a:endParaRPr b="0" lang="de-DE" sz="2800" spc="-1" strike="noStrike">
+              <a:solidFill>
+                <a:srgbClr val="000000"/>
+              </a:solidFill>
+              <a:uFill>
+                <a:solidFill>
+                  <a:srgbClr val="ffffff"/>
+                </a:solidFill>
+              </a:uFill>
+              <a:latin typeface="Arial"/>
+            </a:endParaRPr>
+          </a:p>
+          <a:p>
+            <a:pPr lvl="2" marL="1296000" indent="-288000">
+              <a:buClr>
+                <a:srgbClr val="000000"/>
+              </a:buClr>
+              <a:buSzPct val="45000"/>
+              <a:buFont typeface="Wingdings" charset="2"/>
+              <a:buChar char=""/>
+            </a:pPr>
+            <a:r>
+              <a:rPr b="0" lang="de-DE" sz="2400" spc="-1" strike="noStrike">
+                <a:solidFill>
+                  <a:srgbClr val="000000"/>
+                </a:solidFill>
+                <a:uFill>
+                  <a:solidFill>
+                    <a:srgbClr val="ffffff"/>
+                  </a:solidFill>
+                </a:uFill>
+                <a:latin typeface="Arial"/>
+              </a:rPr>
+              <a:t>Dritte Gliederungsebene</a:t>
+            </a:r>
+            <a:endParaRPr b="0" lang="de-DE" sz="2400" spc="-1" strike="noStrike">
+              <a:solidFill>
+                <a:srgbClr val="000000"/>
+              </a:solidFill>
+              <a:uFill>
+                <a:solidFill>
+                  <a:srgbClr val="ffffff"/>
+                </a:solidFill>
+              </a:uFill>
+              <a:latin typeface="Arial"/>
+            </a:endParaRPr>
+          </a:p>
+          <a:p>
+            <a:pPr lvl="3" marL="1728000" indent="-216000">
+              <a:buClr>
+                <a:srgbClr val="000000"/>
+              </a:buClr>
+              <a:buSzPct val="75000"/>
+              <a:buFont typeface="Symbol" charset="2"/>
+              <a:buChar char=""/>
+            </a:pPr>
+            <a:r>
+              <a:rPr b="0" lang="de-DE" sz="2000" spc="-1" strike="noStrike">
+                <a:solidFill>
+                  <a:srgbClr val="000000"/>
+                </a:solidFill>
+                <a:uFill>
+                  <a:solidFill>
+                    <a:srgbClr val="ffffff"/>
+                  </a:solidFill>
+                </a:uFill>
+                <a:latin typeface="Arial"/>
+              </a:rPr>
+              <a:t>Vierte Gliederungsebene</a:t>
+            </a:r>
+            <a:endParaRPr b="0" lang="de-DE" sz="2000" spc="-1" strike="noStrike">
+              <a:solidFill>
+                <a:srgbClr val="000000"/>
+              </a:solidFill>
+              <a:uFill>
+                <a:solidFill>
+                  <a:srgbClr val="ffffff"/>
+                </a:solidFill>
+              </a:uFill>
+              <a:latin typeface="Arial"/>
+            </a:endParaRPr>
+          </a:p>
+          <a:p>
+            <a:pPr lvl="4" marL="2160000" indent="-216000">
+              <a:buClr>
+                <a:srgbClr val="000000"/>
+              </a:buClr>
+              <a:buSzPct val="45000"/>
+              <a:buFont typeface="Wingdings" charset="2"/>
+              <a:buChar char=""/>
+            </a:pPr>
+            <a:r>
+              <a:rPr b="0" lang="de-DE" sz="2000" spc="-1" strike="noStrike">
+                <a:solidFill>
+                  <a:srgbClr val="000000"/>
+                </a:solidFill>
+                <a:uFill>
+                  <a:solidFill>
+                    <a:srgbClr val="ffffff"/>
+                  </a:solidFill>
+                </a:uFill>
+                <a:latin typeface="Arial"/>
+              </a:rPr>
+              <a:t>Fünfte Gliederungsebene</a:t>
+            </a:r>
+            <a:endParaRPr b="0" lang="de-DE" sz="2000" spc="-1" strike="noStrike">
+              <a:solidFill>
+                <a:srgbClr val="000000"/>
+              </a:solidFill>
+              <a:uFill>
+                <a:solidFill>
+                  <a:srgbClr val="ffffff"/>
+                </a:solidFill>
+              </a:uFill>
+              <a:latin typeface="Arial"/>
+            </a:endParaRPr>
+          </a:p>
+          <a:p>
+            <a:pPr lvl="5" marL="2592000" indent="-216000">
+              <a:buClr>
+                <a:srgbClr val="000000"/>
+              </a:buClr>
+              <a:buSzPct val="45000"/>
+              <a:buFont typeface="Wingdings" charset="2"/>
+              <a:buChar char=""/>
+            </a:pPr>
+            <a:r>
+              <a:rPr b="0" lang="de-DE" sz="2000" spc="-1" strike="noStrike">
+                <a:solidFill>
+                  <a:srgbClr val="000000"/>
+                </a:solidFill>
+                <a:uFill>
+                  <a:solidFill>
+                    <a:srgbClr val="ffffff"/>
+                  </a:solidFill>
+                </a:uFill>
+                <a:latin typeface="Arial"/>
+              </a:rPr>
+              <a:t>Sechste Gliederungsebene</a:t>
+            </a:r>
+            <a:endParaRPr b="0" lang="de-DE" sz="2000" spc="-1" strike="noStrike">
+              <a:solidFill>
+                <a:srgbClr val="000000"/>
+              </a:solidFill>
+              <a:uFill>
+                <a:solidFill>
+                  <a:srgbClr val="ffffff"/>
+                </a:solidFill>
+              </a:uFill>
+              <a:latin typeface="Arial"/>
+            </a:endParaRPr>
+          </a:p>
+          <a:p>
+            <a:pPr lvl="6" marL="3024000" indent="-216000">
+              <a:buClr>
+                <a:srgbClr val="000000"/>
+              </a:buClr>
+              <a:buSzPct val="45000"/>
+              <a:buFont typeface="Wingdings" charset="2"/>
+              <a:buChar char=""/>
+            </a:pPr>
+            <a:r>
+              <a:rPr b="0" lang="de-DE" sz="2000" spc="-1" strike="noStrike">
+                <a:solidFill>
+                  <a:srgbClr val="000000"/>
+                </a:solidFill>
+                <a:uFill>
+                  <a:solidFill>
+                    <a:srgbClr val="ffffff"/>
+                  </a:solidFill>
+                </a:uFill>
+                <a:latin typeface="Arial"/>
+              </a:rPr>
+              <a:t>Siebte Gliederungsebene</a:t>
+            </a:r>
+            <a:endParaRPr b="0" lang="de-DE" sz="2000" spc="-1" strike="noStrike">
+              <a:solidFill>
+                <a:srgbClr val="000000"/>
+              </a:solidFill>
+              <a:uFill>
+                <a:solidFill>
+                  <a:srgbClr val="ffffff"/>
+                </a:solidFill>
+              </a:uFill>
+              <a:latin typeface="Arial"/>
+            </a:endParaRPr>
+          </a:p>
+        </p:txBody>
+      </p:sp>
     </p:spTree>
   </p:cSld>
   <p:clrMap bg1="lt1" bg2="lt2" tx1="dk1" tx2="dk2" accent1="accent1" accent2="accent2" accent3="accent3" accent4="accent4" accent5="accent5" accent6="accent6" hlink="hlink" folHlink="folHlink"/>
@@ -1947,7 +2882,7 @@
       </p:grpSpPr>
       <p:sp>
         <p:nvSpPr>
-          <p:cNvPr id="39" name="CustomShape 1"/>
+          <p:cNvPr id="41" name="CustomShape 1"/>
           <p:cNvSpPr/>
           <p:nvPr/>
         </p:nvSpPr>
@@ -2030,7 +2965,7 @@
                 <a:latin typeface="Arial"/>
                 <a:ea typeface="Geneva"/>
               </a:rPr>
-              <a:t>Traffic sign and traffic lights recognition</a:t>
+              <a:t>Curriculum generation algorithm:</a:t>
             </a:r>
             <a:endParaRPr b="0" lang="de-DE" sz="1800" spc="-1" strike="noStrike">
               <a:solidFill>
@@ -2087,7 +3022,7 @@
       </p:sp>
       <p:sp>
         <p:nvSpPr>
-          <p:cNvPr id="40" name="CustomShape 2"/>
+          <p:cNvPr id="42" name="CustomShape 2"/>
           <p:cNvSpPr/>
           <p:nvPr/>
         </p:nvSpPr>
@@ -2113,6 +3048,7 @@
         <p:txBody>
           <a:bodyPr lIns="0" rIns="0" tIns="0" bIns="0"/>
           <a:p>
+            <a:pPr algn="ctr"/>
             <a:r>
               <a:rPr b="1" lang="de-DE" sz="10500" spc="-1" strike="noStrike">
                 <a:solidFill>
@@ -2141,6 +3077,7 @@
             </a:endParaRPr>
           </a:p>
           <a:p>
+            <a:pPr algn="ctr"/>
             <a:r>
               <a:rPr b="0" lang="de-DE" sz="6000" spc="-1" strike="noStrike">
                 <a:solidFill>
@@ -2190,7 +3127,7 @@
       </p:sp>
       <p:sp>
         <p:nvSpPr>
-          <p:cNvPr id="41" name="CustomShape 3"/>
+          <p:cNvPr id="43" name="CustomShape 3"/>
           <p:cNvSpPr/>
           <p:nvPr/>
         </p:nvSpPr>
@@ -2234,7 +3171,7 @@
                 <a:latin typeface="Arial"/>
                 <a:ea typeface="Geneva"/>
               </a:rPr>
-              <a:t>Project Goals</a:t>
+              <a:t>Project Idea</a:t>
             </a:r>
             <a:endParaRPr b="0" lang="de-DE" sz="1800" spc="-1" strike="noStrike">
               <a:solidFill>
@@ -2381,7 +3318,7 @@
                 <a:latin typeface="Arial"/>
                 <a:ea typeface="Geneva"/>
               </a:rPr>
-              <a:t>Using a RL environment from the paper and OpenAI baselines RL algorithms</a:t>
+              <a:t>Using a RL environment from the paper and  OpenAI baselines RL algorithms</a:t>
             </a:r>
             <a:endParaRPr b="0" lang="de-DE" sz="1800" spc="-1" strike="noStrike">
               <a:solidFill>
@@ -2456,7 +3393,7 @@
       </p:sp>
       <p:pic>
         <p:nvPicPr>
-          <p:cNvPr id="42" name="Picture 27" descr=""/>
+          <p:cNvPr id="44" name="Picture 27" descr=""/>
           <p:cNvPicPr/>
           <p:nvPr/>
         </p:nvPicPr>
@@ -2479,7 +3416,7 @@
       </p:pic>
       <p:sp>
         <p:nvSpPr>
-          <p:cNvPr id="43" name="Line 4"/>
+          <p:cNvPr id="45" name="Line 4"/>
           <p:cNvSpPr/>
           <p:nvPr/>
         </p:nvSpPr>
@@ -2507,7 +3444,7 @@
       </p:sp>
       <p:sp>
         <p:nvSpPr>
-          <p:cNvPr id="44" name="Line 5"/>
+          <p:cNvPr id="46" name="Line 5"/>
           <p:cNvSpPr/>
           <p:nvPr/>
         </p:nvSpPr>
@@ -2535,7 +3472,7 @@
       </p:sp>
       <p:sp>
         <p:nvSpPr>
-          <p:cNvPr id="45" name="Line 6"/>
+          <p:cNvPr id="47" name="Line 6"/>
           <p:cNvSpPr/>
           <p:nvPr/>
         </p:nvSpPr>
@@ -2563,7 +3500,7 @@
       </p:sp>
       <p:sp>
         <p:nvSpPr>
-          <p:cNvPr id="46" name="CustomShape 7"/>
+          <p:cNvPr id="48" name="CustomShape 7"/>
           <p:cNvSpPr/>
           <p:nvPr/>
         </p:nvSpPr>
@@ -2781,7 +3718,7 @@
       </p:sp>
       <p:sp>
         <p:nvSpPr>
-          <p:cNvPr id="47" name="CustomShape 8"/>
+          <p:cNvPr id="49" name="CustomShape 8"/>
           <p:cNvSpPr/>
           <p:nvPr/>
         </p:nvSpPr>
@@ -2864,85 +3801,7 @@
                 <a:latin typeface="Arial"/>
                 <a:ea typeface="Geneva"/>
               </a:rPr>
-              <a:t>Our plots</a:t>
-            </a:r>
-            <a:endParaRPr b="0" lang="de-DE" sz="1800" spc="-1" strike="noStrike">
-              <a:solidFill>
-                <a:srgbClr val="000000"/>
-              </a:solidFill>
-              <a:uFill>
-                <a:solidFill>
-                  <a:srgbClr val="ffffff"/>
-                </a:solidFill>
-              </a:uFill>
-              <a:latin typeface="Arial"/>
-            </a:endParaRPr>
-          </a:p>
-          <a:p>
-            <a:pPr lvl="1" marL="432000" indent="-216000">
-              <a:lnSpc>
-                <a:spcPct val="100000"/>
-              </a:lnSpc>
-              <a:buClr>
-                <a:srgbClr val="000000"/>
-              </a:buClr>
-              <a:buSzPct val="45000"/>
-              <a:buFont typeface="Wingdings" charset="2"/>
-              <a:buChar char=""/>
-            </a:pPr>
-            <a:r>
-              <a:rPr b="0" lang="de-DE" sz="4400" spc="-1" strike="noStrike">
-                <a:solidFill>
-                  <a:srgbClr val="000000"/>
-                </a:solidFill>
-                <a:uFill>
-                  <a:solidFill>
-                    <a:srgbClr val="ffffff"/>
-                  </a:solidFill>
-                </a:uFill>
-                <a:latin typeface="Arial"/>
-                <a:ea typeface="Geneva"/>
-              </a:rPr>
-              <a:t>Their algorithm</a:t>
-            </a:r>
-            <a:endParaRPr b="0" lang="de-DE" sz="1800" spc="-1" strike="noStrike">
-              <a:solidFill>
-                <a:srgbClr val="000000"/>
-              </a:solidFill>
-              <a:uFill>
-                <a:solidFill>
-                  <a:srgbClr val="ffffff"/>
-                </a:solidFill>
-              </a:uFill>
-              <a:latin typeface="Arial"/>
-            </a:endParaRPr>
-          </a:p>
-          <a:p>
-            <a:pPr lvl="1" marL="432000" indent="-216000">
-              <a:lnSpc>
-                <a:spcPct val="100000"/>
-              </a:lnSpc>
-              <a:buClr>
-                <a:srgbClr val="000000"/>
-              </a:buClr>
-              <a:buSzPct val="45000"/>
-              <a:buFont typeface="Wingdings" charset="2"/>
-              <a:buChar char=""/>
-            </a:pPr>
-            <a:r>
-              <a:rPr b="0" lang="de-DE" sz="4400" spc="-1" strike="noStrike">
-                <a:solidFill>
-                  <a:srgbClr val="000000"/>
-                </a:solidFill>
-                <a:uFill>
-                  <a:solidFill>
-                    <a:srgbClr val="ffffff"/>
-                  </a:solidFill>
-                </a:uFill>
-                <a:latin typeface="Arial"/>
-                <a:ea typeface="Geneva"/>
-              </a:rPr>
-              <a:t>Our algorithm</a:t>
+              <a:t>Original results</a:t>
             </a:r>
             <a:endParaRPr b="0" lang="de-DE" sz="1800" spc="-1" strike="noStrike">
               <a:solidFill>
@@ -3073,68 +3932,6 @@
               <a:latin typeface="Arial"/>
             </a:endParaRPr>
           </a:p>
-        </p:txBody>
-      </p:sp>
-      <p:sp>
-        <p:nvSpPr>
-          <p:cNvPr id="48" name="CustomShape 9"/>
-          <p:cNvSpPr/>
-          <p:nvPr/>
-        </p:nvSpPr>
-        <p:spPr>
-          <a:xfrm>
-            <a:off x="15401160" y="24435720"/>
-            <a:ext cx="13258080" cy="4510080"/>
-          </a:xfrm>
-          <a:prstGeom prst="rect">
-            <a:avLst/>
-          </a:prstGeom>
-          <a:noFill/>
-          <a:ln>
-            <a:noFill/>
-          </a:ln>
-        </p:spPr>
-        <p:style>
-          <a:lnRef idx="0"/>
-          <a:fillRef idx="0"/>
-          <a:effectRef idx="0"/>
-          <a:fontRef idx="minor"/>
-        </p:style>
-        <p:txBody>
-          <a:bodyPr lIns="0" rIns="0" tIns="0" bIns="0"/>
-          <a:p>
-            <a:pPr>
-              <a:lnSpc>
-                <a:spcPct val="126000"/>
-              </a:lnSpc>
-            </a:pPr>
-            <a:r>
-              <a:rPr b="1" lang="de-DE" sz="6000" spc="-1" strike="noStrike">
-                <a:solidFill>
-                  <a:srgbClr val="2b86b9"/>
-                </a:solidFill>
-                <a:uFill>
-                  <a:solidFill>
-                    <a:srgbClr val="ffffff"/>
-                  </a:solidFill>
-                </a:uFill>
-                <a:latin typeface="Arial"/>
-                <a:ea typeface="Geneva"/>
-              </a:rPr>
-              <a:t>Issues</a:t>
-            </a:r>
-            <a:endParaRPr b="0" lang="de-DE" sz="1800" spc="-1" strike="noStrike">
-              <a:solidFill>
-                <a:srgbClr val="000000"/>
-              </a:solidFill>
-              <a:uFill>
-                <a:solidFill>
-                  <a:srgbClr val="ffffff"/>
-                </a:solidFill>
-              </a:uFill>
-              <a:latin typeface="Arial"/>
-            </a:endParaRPr>
-          </a:p>
           <a:p>
             <a:pPr marL="571680" indent="-570960">
               <a:lnSpc>
@@ -3160,7 +3957,7 @@
                 <a:latin typeface="Arial"/>
                 <a:ea typeface="Geneva"/>
               </a:rPr>
-              <a:t>Problems in original code (rllab)</a:t>
+              <a:t> </a:t>
             </a:r>
             <a:endParaRPr b="0" lang="de-DE" sz="1800" spc="-1" strike="noStrike">
               <a:solidFill>
@@ -3199,7 +3996,7 @@
                 <a:latin typeface="Arial"/>
                 <a:ea typeface="Geneva"/>
               </a:rPr>
-              <a:t>Differences between Code and Paper</a:t>
+              <a:t> </a:t>
             </a:r>
             <a:endParaRPr b="0" lang="de-DE" sz="1800" spc="-1" strike="noStrike">
               <a:solidFill>
@@ -3238,7 +4035,7 @@
                 <a:latin typeface="Arial"/>
                 <a:ea typeface="Geneva"/>
               </a:rPr>
-              <a:t>Incompatibility of OpenAI algorithms and rllab environments</a:t>
+              <a:t> </a:t>
             </a:r>
             <a:endParaRPr b="0" lang="de-DE" sz="1800" spc="-1" strike="noStrike">
               <a:solidFill>
@@ -3316,6 +4113,84 @@
                 <a:latin typeface="Arial"/>
                 <a:ea typeface="Geneva"/>
               </a:rPr>
+              <a:t>Reproduced results with rllab code</a:t>
+            </a:r>
+            <a:endParaRPr b="0" lang="de-DE" sz="1800" spc="-1" strike="noStrike">
+              <a:solidFill>
+                <a:srgbClr val="000000"/>
+              </a:solidFill>
+              <a:uFill>
+                <a:solidFill>
+                  <a:srgbClr val="ffffff"/>
+                </a:solidFill>
+              </a:uFill>
+              <a:latin typeface="Arial"/>
+            </a:endParaRPr>
+          </a:p>
+          <a:p>
+            <a:pPr marL="571680" indent="-570960">
+              <a:lnSpc>
+                <a:spcPct val="100000"/>
+              </a:lnSpc>
+              <a:buClr>
+                <a:srgbClr val="2b86b9"/>
+              </a:buClr>
+              <a:buSzPct val="120000"/>
+              <a:buFont typeface="Wingdings" charset="2"/>
+              <a:buChar char=""/>
+            </a:pPr>
+            <a:r>
+              <a:rPr b="0" lang="de-DE" sz="4400" spc="-1" strike="noStrike">
+                <a:solidFill>
+                  <a:srgbClr val="000000"/>
+                </a:solidFill>
+                <a:uFill>
+                  <a:solidFill>
+                    <a:srgbClr val="ffffff"/>
+                  </a:solidFill>
+                </a:uFill>
+                <a:latin typeface="Arial"/>
+                <a:ea typeface="Geneva"/>
+              </a:rPr>
+              <a:t> </a:t>
+            </a:r>
+            <a:endParaRPr b="0" lang="de-DE" sz="1800" spc="-1" strike="noStrike">
+              <a:solidFill>
+                <a:srgbClr val="000000"/>
+              </a:solidFill>
+              <a:uFill>
+                <a:solidFill>
+                  <a:srgbClr val="ffffff"/>
+                </a:solidFill>
+              </a:uFill>
+              <a:latin typeface="Arial"/>
+            </a:endParaRPr>
+          </a:p>
+          <a:p>
+            <a:pPr marL="571680" indent="-570960">
+              <a:lnSpc>
+                <a:spcPct val="100000"/>
+              </a:lnSpc>
+              <a:buClr>
+                <a:srgbClr val="2b86b9"/>
+              </a:buClr>
+              <a:buSzPct val="120000"/>
+              <a:buFont typeface="Wingdings" charset="2"/>
+              <a:buChar char=""/>
+            </a:pPr>
+            <a:r>
+              <a:rPr b="0" lang="de-DE" sz="4400" spc="-1" strike="noStrike">
+                <a:solidFill>
+                  <a:srgbClr val="000000"/>
+                </a:solidFill>
+                <a:uFill>
+                  <a:solidFill>
+                    <a:srgbClr val="ffffff"/>
+                  </a:solidFill>
+                </a:uFill>
+                <a:latin typeface="Arial"/>
+                <a:ea typeface="Geneva"/>
+              </a:rPr>
               <a:t> </a:t>
             </a:r>
             <a:endParaRPr b="0" lang="de-DE" sz="1800" spc="-1" strike="noStrike">
@@ -3334,7 +4209,7 @@
       </p:sp>
       <p:sp>
         <p:nvSpPr>
-          <p:cNvPr id="49" name="Line 10"/>
+          <p:cNvPr id="50" name="Line 9"/>
           <p:cNvSpPr/>
           <p:nvPr/>
         </p:nvSpPr>
@@ -3362,7 +4237,7 @@
       </p:sp>
       <p:pic>
         <p:nvPicPr>
-          <p:cNvPr id="50" name="" descr=""/>
+          <p:cNvPr id="51" name="" descr=""/>
           <p:cNvPicPr/>
           <p:nvPr/>
         </p:nvPicPr>
@@ -3371,9 +4246,9 @@
           <a:stretch/>
         </p:blipFill>
         <p:spPr>
-          <a:xfrm>
-            <a:off x="18432000" y="5395680"/>
-            <a:ext cx="7389000" cy="6052320"/>
+          <a:xfrm rot="10800000">
+            <a:off x="30096000" y="4028760"/>
+            <a:ext cx="3600000" cy="2948760"/>
           </a:xfrm>
           <a:prstGeom prst="rect">
             <a:avLst/>
@@ -3385,7 +4260,7 @@
       </p:pic>
       <p:pic>
         <p:nvPicPr>
-          <p:cNvPr id="51" name="" descr=""/>
+          <p:cNvPr id="52" name="" descr=""/>
           <p:cNvPicPr/>
           <p:nvPr/>
         </p:nvPicPr>
@@ -3397,6 +4272,286 @@
           <a:xfrm>
             <a:off x="1665360" y="15408000"/>
             <a:ext cx="11654640" cy="7488000"/>
+          </a:xfrm>
+          <a:prstGeom prst="rect">
+            <a:avLst/>
+          </a:prstGeom>
+          <a:ln>
+            <a:noFill/>
+          </a:ln>
+        </p:spPr>
+      </p:pic>
+      <p:sp>
+        <p:nvSpPr>
+          <p:cNvPr id="53" name="CustomShape 10"/>
+          <p:cNvSpPr/>
+          <p:nvPr/>
+        </p:nvSpPr>
+        <p:spPr>
+          <a:xfrm>
+            <a:off x="15401160" y="24435720"/>
+            <a:ext cx="13258080" cy="4510080"/>
+          </a:xfrm>
+          <a:prstGeom prst="rect">
+            <a:avLst/>
+          </a:prstGeom>
+          <a:noFill/>
+          <a:ln>
+            <a:noFill/>
+          </a:ln>
+        </p:spPr>
+        <p:style>
+          <a:lnRef idx="0"/>
+          <a:fillRef idx="0"/>
+          <a:effectRef idx="0"/>
+          <a:fontRef idx="minor"/>
+        </p:style>
+        <p:txBody>
+          <a:bodyPr lIns="0" rIns="0" tIns="0" bIns="0"/>
+          <a:p>
+            <a:pPr>
+              <a:lnSpc>
+                <a:spcPct val="126000"/>
+              </a:lnSpc>
+            </a:pPr>
+            <a:r>
+              <a:rPr b="1" lang="de-DE" sz="6000" spc="-1" strike="noStrike">
+                <a:solidFill>
+                  <a:srgbClr val="2b86b9"/>
+                </a:solidFill>
+                <a:uFill>
+                  <a:solidFill>
+                    <a:srgbClr val="ffffff"/>
+                  </a:solidFill>
+                </a:uFill>
+                <a:latin typeface="Arial"/>
+                <a:ea typeface="Geneva"/>
+              </a:rPr>
+              <a:t>Issues</a:t>
+            </a:r>
+            <a:endParaRPr b="0" lang="de-DE" sz="1800" spc="-1" strike="noStrike">
+              <a:solidFill>
+                <a:srgbClr val="000000"/>
+              </a:solidFill>
+              <a:uFill>
+                <a:solidFill>
+                  <a:srgbClr val="ffffff"/>
+                </a:solidFill>
+              </a:uFill>
+              <a:latin typeface="Arial"/>
+            </a:endParaRPr>
+          </a:p>
+          <a:p>
+            <a:pPr marL="571680" indent="-570960">
+              <a:lnSpc>
+                <a:spcPct val="100000"/>
+              </a:lnSpc>
+              <a:buClr>
+                <a:srgbClr val="2b86b9"/>
+              </a:buClr>
+              <a:buSzPct val="120000"/>
+              <a:buFont typeface="Wingdings" charset="2"/>
+              <a:buChar char=""/>
+            </a:pPr>
+            <a:r>
+              <a:rPr b="0" lang="de-DE" sz="4400" spc="-1" strike="noStrike">
+                <a:solidFill>
+                  <a:srgbClr val="000000"/>
+                </a:solidFill>
+                <a:uFill>
+                  <a:solidFill>
+                    <a:srgbClr val="ffffff"/>
+                  </a:solidFill>
+                </a:uFill>
+                <a:latin typeface="Arial"/>
+                <a:ea typeface="Geneva"/>
+              </a:rPr>
+              <a:t>Problems in original code (rllab)</a:t>
+            </a:r>
+            <a:endParaRPr b="0" lang="de-DE" sz="1800" spc="-1" strike="noStrike">
+              <a:solidFill>
+                <a:srgbClr val="000000"/>
+              </a:solidFill>
+              <a:uFill>
+                <a:solidFill>
+                  <a:srgbClr val="ffffff"/>
+                </a:solidFill>
+              </a:uFill>
+              <a:latin typeface="Arial"/>
+            </a:endParaRPr>
+          </a:p>
+          <a:p>
+            <a:pPr marL="571680" indent="-570960">
+              <a:lnSpc>
+                <a:spcPct val="100000"/>
+              </a:lnSpc>
+              <a:buClr>
+                <a:srgbClr val="2b86b9"/>
+              </a:buClr>
+              <a:buSzPct val="120000"/>
+              <a:buFont typeface="Wingdings" charset="2"/>
+              <a:buChar char=""/>
+            </a:pPr>
+            <a:r>
+              <a:rPr b="0" lang="de-DE" sz="4400" spc="-1" strike="noStrike">
+                <a:solidFill>
+                  <a:srgbClr val="000000"/>
+                </a:solidFill>
+                <a:uFill>
+                  <a:solidFill>
+                    <a:srgbClr val="ffffff"/>
+                  </a:solidFill>
+                </a:uFill>
+                <a:latin typeface="Arial"/>
+                <a:ea typeface="Geneva"/>
+              </a:rPr>
+              <a:t>Differences between Code and Paper</a:t>
+            </a:r>
+            <a:endParaRPr b="0" lang="de-DE" sz="1800" spc="-1" strike="noStrike">
+              <a:solidFill>
+                <a:srgbClr val="000000"/>
+              </a:solidFill>
+              <a:uFill>
+                <a:solidFill>
+                  <a:srgbClr val="ffffff"/>
+                </a:solidFill>
+              </a:uFill>
+              <a:latin typeface="Arial"/>
+            </a:endParaRPr>
+          </a:p>
+          <a:p>
+            <a:pPr marL="571680" indent="-570960">
+              <a:lnSpc>
+                <a:spcPct val="100000"/>
+              </a:lnSpc>
+              <a:buClr>
+                <a:srgbClr val="2b86b9"/>
+              </a:buClr>
+              <a:buSzPct val="120000"/>
+              <a:buFont typeface="Wingdings" charset="2"/>
+              <a:buChar char=""/>
+            </a:pPr>
+            <a:r>
+              <a:rPr b="0" lang="de-DE" sz="4400" spc="-1" strike="noStrike">
+                <a:solidFill>
+                  <a:srgbClr val="000000"/>
+                </a:solidFill>
+                <a:uFill>
+                  <a:solidFill>
+                    <a:srgbClr val="ffffff"/>
+                  </a:solidFill>
+                </a:uFill>
+                <a:latin typeface="Arial"/>
+                <a:ea typeface="Geneva"/>
+              </a:rPr>
+              <a:t>Incompatibility of OpenAI algorithms and rllab environments</a:t>
+            </a:r>
+            <a:endParaRPr b="0" lang="de-DE" sz="1800" spc="-1" strike="noStrike">
+              <a:solidFill>
+                <a:srgbClr val="000000"/>
+              </a:solidFill>
+              <a:uFill>
+                <a:solidFill>
+                  <a:srgbClr val="ffffff"/>
+                </a:solidFill>
+              </a:uFill>
+              <a:latin typeface="Arial"/>
+            </a:endParaRPr>
+          </a:p>
+          <a:p>
+            <a:pPr marL="571680" indent="-570960">
+              <a:lnSpc>
+                <a:spcPct val="100000"/>
+              </a:lnSpc>
+              <a:buClr>
+                <a:srgbClr val="2b86b9"/>
+              </a:buClr>
+              <a:buSzPct val="120000"/>
+              <a:buFont typeface="Wingdings" charset="2"/>
+              <a:buChar char=""/>
+            </a:pPr>
+            <a:r>
+              <a:rPr b="0" lang="de-DE" sz="4400" spc="-1" strike="noStrike">
+                <a:solidFill>
+                  <a:srgbClr val="000000"/>
+                </a:solidFill>
+                <a:uFill>
+                  <a:solidFill>
+                    <a:srgbClr val="ffffff"/>
+                  </a:solidFill>
+                </a:uFill>
+                <a:latin typeface="Arial"/>
+                <a:ea typeface="Geneva"/>
+              </a:rPr>
+              <a:t> </a:t>
+            </a:r>
+            <a:endParaRPr b="0" lang="de-DE" sz="1800" spc="-1" strike="noStrike">
+              <a:solidFill>
+                <a:srgbClr val="000000"/>
+              </a:solidFill>
+              <a:uFill>
+                <a:solidFill>
+                  <a:srgbClr val="ffffff"/>
+                </a:solidFill>
+              </a:uFill>
+              <a:latin typeface="Arial"/>
+            </a:endParaRPr>
+          </a:p>
+          <a:p>
+            <a:pPr marL="571680" indent="-570960">
+              <a:lnSpc>
+                <a:spcPct val="100000"/>
+              </a:lnSpc>
+              <a:buClr>
+                <a:srgbClr val="2b86b9"/>
+              </a:buClr>
+              <a:buSzPct val="120000"/>
+              <a:buFont typeface="Wingdings" charset="2"/>
+              <a:buChar char=""/>
+            </a:pPr>
+            <a:r>
+              <a:rPr b="0" lang="de-DE" sz="4400" spc="-1" strike="noStrike">
+                <a:solidFill>
+                  <a:srgbClr val="000000"/>
+                </a:solidFill>
+                <a:uFill>
+                  <a:solidFill>
+                    <a:srgbClr val="ffffff"/>
+                  </a:solidFill>
+                </a:uFill>
+                <a:latin typeface="Arial"/>
+                <a:ea typeface="Geneva"/>
+              </a:rPr>
+              <a:t> </a:t>
+            </a:r>
+            <a:endParaRPr b="0" lang="de-DE" sz="1800" spc="-1" strike="noStrike">
+              <a:solidFill>
+                <a:srgbClr val="000000"/>
+              </a:solidFill>
+              <a:uFill>
+                <a:solidFill>
+                  <a:srgbClr val="ffffff"/>
+                </a:solidFill>
+              </a:uFill>
+              <a:latin typeface="Arial"/>
+            </a:endParaRPr>
+          </a:p>
+        </p:txBody>
+      </p:sp>
+      <p:pic>
+        <p:nvPicPr>
+          <p:cNvPr id="54" name="" descr=""/>
+          <p:cNvPicPr/>
+          <p:nvPr/>
+        </p:nvPicPr>
+        <p:blipFill>
+          <a:blip r:embed="rId4"/>
+          <a:stretch/>
+        </p:blipFill>
+        <p:spPr>
+          <a:xfrm>
+            <a:off x="1944000" y="26154720"/>
+            <a:ext cx="7920000" cy="5165280"/>
           </a:xfrm>
           <a:prstGeom prst="rect">
             <a:avLst/>

--- a/dl_lab_poster_template.pptx
+++ b/dl_lab_poster_template.pptx
@@ -872,7 +872,7 @@
           <a:bodyPr lIns="0" rIns="0" tIns="0" bIns="0" anchor="b"/>
           <a:p>
             <a:pPr algn="r"/>
-            <a:fld id="{21BCE768-BDBA-4C84-9D1E-45470DF12189}" type="slidenum">
+            <a:fld id="{E35D63A0-D06A-4DA4-8030-9B7372C020C9}" type="slidenum">
               <a:rPr b="0" lang="de-DE" sz="1400" spc="-1" strike="noStrike">
                 <a:solidFill>
                   <a:srgbClr val="000000"/>
@@ -992,7 +992,7 @@
                 <a:spcPct val="100000"/>
               </a:lnSpc>
             </a:pPr>
-            <a:fld id="{09DFC0AA-FCA9-47E6-AF2B-29268C364F80}" type="slidenum">
+            <a:fld id="{C72F0DC8-894F-4FE2-AA4D-8C800818280D}" type="slidenum">
               <a:rPr b="0" lang="de-DE" sz="1200" spc="-1" strike="noStrike">
                 <a:solidFill>
                   <a:srgbClr val="000000"/>
